--- a/計概presentation.pptx
+++ b/計概presentation.pptx
@@ -10290,7 +10290,7 @@
         <p:spPr>
           <a:xfrm>
             <a:off x="872066" y="1828800"/>
-            <a:ext cx="7865534" cy="3046988"/>
+            <a:ext cx="7865534" cy="4031873"/>
           </a:xfrm>
           <a:prstGeom prst="rect">
             <a:avLst/>
@@ -10584,13 +10584,156 @@
               <a:t> </a:t>
             </a:r>
             <a:r>
-              <a:rPr kumimoji="1" lang="en-US" altLang="zh-TW" sz="3200" dirty="0" err="1" smtClean="0">
+              <a:rPr kumimoji="1" lang="en-US" altLang="zh-TW" sz="3200" dirty="0" err="1">
                 <a:latin typeface="Bank Gothic"/>
                 <a:cs typeface="Bank Gothic"/>
               </a:rPr>
               <a:t>hr</a:t>
             </a:r>
-            <a:endParaRPr kumimoji="1" lang="en-US" altLang="zh-TW" sz="3200" dirty="0" smtClean="0">
+            <a:endParaRPr kumimoji="1" lang="en-US" altLang="zh-TW" sz="3200" dirty="0">
+              <a:latin typeface="Bank Gothic"/>
+              <a:cs typeface="Bank Gothic"/>
+            </a:endParaRPr>
+          </a:p>
+          <a:p>
+            <a:pPr marL="285750" indent="-285750">
+              <a:buFont typeface="Wingdings" charset="2"/>
+              <a:buChar char="p"/>
+            </a:pPr>
+            <a:r>
+              <a:rPr kumimoji="1" lang="en-US" altLang="zh-TW" sz="3200" dirty="0">
+                <a:latin typeface="Bank Gothic"/>
+                <a:cs typeface="Bank Gothic"/>
+              </a:rPr>
+              <a:t> Code</a:t>
+            </a:r>
+            <a:r>
+              <a:rPr kumimoji="1" lang="zh-TW" altLang="en-US" sz="3200" dirty="0">
+                <a:latin typeface="Bank Gothic"/>
+                <a:cs typeface="Bank Gothic"/>
+              </a:rPr>
+              <a:t> </a:t>
+            </a:r>
+            <a:r>
+              <a:rPr kumimoji="1" lang="en-US" altLang="zh-TW" sz="3200" dirty="0">
+                <a:latin typeface="Bank Gothic"/>
+                <a:cs typeface="Bank Gothic"/>
+              </a:rPr>
+              <a:t>(with</a:t>
+            </a:r>
+            <a:r>
+              <a:rPr kumimoji="1" lang="zh-TW" altLang="en-US" sz="3200" dirty="0">
+                <a:latin typeface="Bank Gothic"/>
+                <a:cs typeface="Bank Gothic"/>
+              </a:rPr>
+              <a:t> </a:t>
+            </a:r>
+            <a:r>
+              <a:rPr kumimoji="1" lang="en-US" altLang="zh-TW" sz="3200" dirty="0">
+                <a:latin typeface="Bank Gothic"/>
+                <a:cs typeface="Bank Gothic"/>
+              </a:rPr>
+              <a:t>&amp;</a:t>
+            </a:r>
+            <a:r>
+              <a:rPr kumimoji="1" lang="zh-TW" altLang="en-US" sz="3200" dirty="0">
+                <a:latin typeface="Bank Gothic"/>
+                <a:cs typeface="Bank Gothic"/>
+              </a:rPr>
+              <a:t> </a:t>
+            </a:r>
+            <a:r>
+              <a:rPr kumimoji="1" lang="en-US" altLang="zh-TW" sz="3200" dirty="0">
+                <a:latin typeface="Bank Gothic"/>
+                <a:cs typeface="Bank Gothic"/>
+              </a:rPr>
+              <a:t>without</a:t>
+            </a:r>
+            <a:r>
+              <a:rPr kumimoji="1" lang="zh-TW" altLang="en-US" sz="3200" dirty="0">
+                <a:latin typeface="Bank Gothic"/>
+                <a:cs typeface="Bank Gothic"/>
+              </a:rPr>
+              <a:t> </a:t>
+            </a:r>
+            <a:r>
+              <a:rPr kumimoji="1" lang="en-US" altLang="zh-TW" sz="3200" dirty="0">
+                <a:latin typeface="Bank Gothic"/>
+                <a:cs typeface="Bank Gothic"/>
+              </a:rPr>
+              <a:t>Album)</a:t>
+            </a:r>
+            <a:r>
+              <a:rPr kumimoji="1" lang="zh-TW" altLang="en-US" sz="3200" dirty="0">
+                <a:latin typeface="Bank Gothic"/>
+                <a:cs typeface="Bank Gothic"/>
+              </a:rPr>
+              <a:t> </a:t>
+            </a:r>
+            <a:r>
+              <a:rPr kumimoji="1" lang="en-US" altLang="zh-TW" sz="3200" dirty="0">
+                <a:latin typeface="Bank Gothic"/>
+                <a:cs typeface="Bank Gothic"/>
+              </a:rPr>
+              <a:t>:</a:t>
+            </a:r>
+            <a:r>
+              <a:rPr kumimoji="1" lang="zh-TW" altLang="en-US" sz="3200" dirty="0">
+                <a:latin typeface="Bank Gothic"/>
+                <a:cs typeface="Bank Gothic"/>
+              </a:rPr>
+              <a:t> </a:t>
+            </a:r>
+            <a:r>
+              <a:rPr kumimoji="1" lang="en-US" altLang="zh-TW" sz="3200" dirty="0">
+                <a:latin typeface="Bank Gothic"/>
+                <a:cs typeface="Bank Gothic"/>
+              </a:rPr>
+              <a:t>	2853</a:t>
+            </a:r>
+            <a:r>
+              <a:rPr kumimoji="1" lang="zh-TW" altLang="en-US" sz="3200" dirty="0">
+                <a:latin typeface="Bank Gothic"/>
+                <a:cs typeface="Bank Gothic"/>
+              </a:rPr>
+              <a:t> </a:t>
+            </a:r>
+            <a:r>
+              <a:rPr kumimoji="1" lang="en-US" altLang="zh-TW" sz="3200" dirty="0">
+                <a:latin typeface="Bank Gothic"/>
+                <a:cs typeface="Bank Gothic"/>
+              </a:rPr>
+              <a:t>/</a:t>
+            </a:r>
+            <a:r>
+              <a:rPr kumimoji="1" lang="zh-TW" altLang="en-US" sz="3200" dirty="0">
+                <a:latin typeface="Bank Gothic"/>
+                <a:cs typeface="Bank Gothic"/>
+              </a:rPr>
+              <a:t> </a:t>
+            </a:r>
+            <a:r>
+              <a:rPr kumimoji="1" lang="en-US" altLang="zh-TW" sz="3200" dirty="0">
+                <a:latin typeface="Bank Gothic"/>
+                <a:cs typeface="Bank Gothic"/>
+              </a:rPr>
+              <a:t>1364</a:t>
+            </a:r>
+            <a:r>
+              <a:rPr kumimoji="1" lang="zh-TW" altLang="en-US" sz="3200" dirty="0">
+                <a:latin typeface="Bank Gothic"/>
+                <a:cs typeface="Bank Gothic"/>
+              </a:rPr>
+              <a:t> </a:t>
+            </a:r>
+            <a:r>
+              <a:rPr kumimoji="1" lang="en-US" altLang="zh-TW" sz="3200" smtClean="0">
+                <a:latin typeface="Bank Gothic"/>
+                <a:cs typeface="Bank Gothic"/>
+              </a:rPr>
+              <a:t>lines</a:t>
+            </a:r>
+            <a:endParaRPr kumimoji="1" lang="en-US" altLang="zh-TW" sz="3200">
               <a:latin typeface="Bank Gothic"/>
               <a:cs typeface="Bank Gothic"/>
             </a:endParaRPr>

--- a/計概presentation.pptx
+++ b/計概presentation.pptx
@@ -5,7 +5,7 @@
     <p:sldMasterId id="2147483820" r:id="rId1"/>
   </p:sldMasterIdLst>
   <p:notesMasterIdLst>
-    <p:notesMasterId r:id="rId28"/>
+    <p:notesMasterId r:id="rId29"/>
   </p:notesMasterIdLst>
   <p:sldIdLst>
     <p:sldId id="256" r:id="rId2"/>
@@ -34,6 +34,7 @@
     <p:sldId id="290" r:id="rId25"/>
     <p:sldId id="291" r:id="rId26"/>
     <p:sldId id="288" r:id="rId27"/>
+    <p:sldId id="295" r:id="rId28"/>
   </p:sldIdLst>
   <p:sldSz cx="9144000" cy="6858000" type="screen4x3"/>
   <p:notesSz cx="6858000" cy="9144000"/>
@@ -217,7 +218,7 @@
           <a:p>
             <a:fld id="{CE5DD732-4446-8345-A957-8C0007B01B06}" type="datetimeFigureOut">
               <a:rPr kumimoji="1" lang="zh-TW" altLang="en-US" smtClean="0"/>
-              <a:t>14/1/13</a:t>
+              <a:t>14/1/14</a:t>
             </a:fld>
             <a:endParaRPr kumimoji="1" lang="zh-TW" altLang="en-US"/>
           </a:p>
@@ -1024,7 +1025,7 @@
           <a:p>
             <a:fld id="{2E6602D3-771A-BA48-B3FA-79175EE2D861}" type="datetimeFigureOut">
               <a:rPr kumimoji="1" lang="zh-TW" altLang="en-US" smtClean="0"/>
-              <a:t>14/1/13</a:t>
+              <a:t>14/1/14</a:t>
             </a:fld>
             <a:endParaRPr kumimoji="1" lang="zh-TW" altLang="en-US"/>
           </a:p>
@@ -1453,7 +1454,7 @@
           <a:p>
             <a:fld id="{2E6602D3-771A-BA48-B3FA-79175EE2D861}" type="datetimeFigureOut">
               <a:rPr kumimoji="1" lang="zh-TW" altLang="en-US" smtClean="0"/>
-              <a:t>14/1/13</a:t>
+              <a:t>14/1/14</a:t>
             </a:fld>
             <a:endParaRPr kumimoji="1" lang="zh-TW" altLang="en-US"/>
           </a:p>
@@ -1658,7 +1659,7 @@
           <a:p>
             <a:fld id="{2E6602D3-771A-BA48-B3FA-79175EE2D861}" type="datetimeFigureOut">
               <a:rPr kumimoji="1" lang="zh-TW" altLang="en-US" smtClean="0"/>
-              <a:t>14/1/13</a:t>
+              <a:t>14/1/14</a:t>
             </a:fld>
             <a:endParaRPr kumimoji="1" lang="zh-TW" altLang="en-US"/>
           </a:p>
@@ -1929,7 +1930,7 @@
           <a:p>
             <a:fld id="{2E6602D3-771A-BA48-B3FA-79175EE2D861}" type="datetimeFigureOut">
               <a:rPr kumimoji="1" lang="zh-TW" altLang="en-US" smtClean="0"/>
-              <a:t>14/1/13</a:t>
+              <a:t>14/1/14</a:t>
             </a:fld>
             <a:endParaRPr kumimoji="1" lang="zh-TW" altLang="en-US"/>
           </a:p>
@@ -2210,7 +2211,7 @@
           <a:p>
             <a:fld id="{2E6602D3-771A-BA48-B3FA-79175EE2D861}" type="datetimeFigureOut">
               <a:rPr kumimoji="1" lang="zh-TW" altLang="en-US" smtClean="0"/>
-              <a:t>14/1/13</a:t>
+              <a:t>14/1/14</a:t>
             </a:fld>
             <a:endParaRPr kumimoji="1" lang="zh-TW" altLang="en-US"/>
           </a:p>
@@ -2445,7 +2446,7 @@
           <a:p>
             <a:fld id="{2E6602D3-771A-BA48-B3FA-79175EE2D861}" type="datetimeFigureOut">
               <a:rPr kumimoji="1" lang="zh-TW" altLang="en-US" smtClean="0"/>
-              <a:t>14/1/13</a:t>
+              <a:t>14/1/14</a:t>
             </a:fld>
             <a:endParaRPr kumimoji="1" lang="zh-TW" altLang="en-US"/>
           </a:p>
@@ -2726,7 +2727,7 @@
           <a:p>
             <a:fld id="{2E6602D3-771A-BA48-B3FA-79175EE2D861}" type="datetimeFigureOut">
               <a:rPr kumimoji="1" lang="zh-TW" altLang="en-US" smtClean="0"/>
-              <a:t>14/1/13</a:t>
+              <a:t>14/1/14</a:t>
             </a:fld>
             <a:endParaRPr kumimoji="1" lang="zh-TW" altLang="en-US"/>
           </a:p>
@@ -3153,7 +3154,7 @@
           <a:p>
             <a:fld id="{2E6602D3-771A-BA48-B3FA-79175EE2D861}" type="datetimeFigureOut">
               <a:rPr kumimoji="1" lang="zh-TW" altLang="en-US" smtClean="0"/>
-              <a:t>14/1/13</a:t>
+              <a:t>14/1/14</a:t>
             </a:fld>
             <a:endParaRPr kumimoji="1" lang="zh-TW" altLang="en-US"/>
           </a:p>
@@ -3676,7 +3677,7 @@
           <a:p>
             <a:fld id="{2E6602D3-771A-BA48-B3FA-79175EE2D861}" type="datetimeFigureOut">
               <a:rPr kumimoji="1" lang="zh-TW" altLang="en-US" smtClean="0"/>
-              <a:t>14/1/13</a:t>
+              <a:t>14/1/14</a:t>
             </a:fld>
             <a:endParaRPr kumimoji="1" lang="zh-TW" altLang="en-US"/>
           </a:p>
@@ -4038,7 +4039,7 @@
           <a:p>
             <a:fld id="{2E6602D3-771A-BA48-B3FA-79175EE2D861}" type="datetimeFigureOut">
               <a:rPr kumimoji="1" lang="zh-TW" altLang="en-US" smtClean="0"/>
-              <a:t>14/1/13</a:t>
+              <a:t>14/1/14</a:t>
             </a:fld>
             <a:endParaRPr kumimoji="1" lang="zh-TW" altLang="en-US"/>
           </a:p>
@@ -4594,7 +4595,7 @@
           <a:p>
             <a:fld id="{2E6602D3-771A-BA48-B3FA-79175EE2D861}" type="datetimeFigureOut">
               <a:rPr kumimoji="1" lang="zh-TW" altLang="en-US" smtClean="0"/>
-              <a:t>14/1/13</a:t>
+              <a:t>14/1/14</a:t>
             </a:fld>
             <a:endParaRPr kumimoji="1" lang="zh-TW" altLang="en-US"/>
           </a:p>
@@ -4819,7 +4820,7 @@
           <a:p>
             <a:fld id="{2E6602D3-771A-BA48-B3FA-79175EE2D861}" type="datetimeFigureOut">
               <a:rPr kumimoji="1" lang="zh-TW" altLang="en-US" smtClean="0"/>
-              <a:t>14/1/13</a:t>
+              <a:t>14/1/14</a:t>
             </a:fld>
             <a:endParaRPr kumimoji="1" lang="zh-TW" altLang="en-US"/>
           </a:p>
@@ -4965,7 +4966,7 @@
           <a:p>
             <a:fld id="{2E6602D3-771A-BA48-B3FA-79175EE2D861}" type="datetimeFigureOut">
               <a:rPr kumimoji="1" lang="zh-TW" altLang="en-US" smtClean="0"/>
-              <a:t>14/1/13</a:t>
+              <a:t>14/1/14</a:t>
             </a:fld>
             <a:endParaRPr kumimoji="1" lang="zh-TW" altLang="en-US"/>
           </a:p>
@@ -5430,7 +5431,7 @@
           <a:p>
             <a:fld id="{2E6602D3-771A-BA48-B3FA-79175EE2D861}" type="datetimeFigureOut">
               <a:rPr kumimoji="1" lang="zh-TW" altLang="en-US" smtClean="0"/>
-              <a:t>14/1/13</a:t>
+              <a:t>14/1/14</a:t>
             </a:fld>
             <a:endParaRPr kumimoji="1" lang="zh-TW" altLang="en-US"/>
           </a:p>
@@ -5652,7 +5653,7 @@
           <a:p>
             <a:fld id="{2E6602D3-771A-BA48-B3FA-79175EE2D861}" type="datetimeFigureOut">
               <a:rPr kumimoji="1" lang="zh-TW" altLang="en-US" smtClean="0"/>
-              <a:t>14/1/13</a:t>
+              <a:t>14/1/14</a:t>
             </a:fld>
             <a:endParaRPr kumimoji="1" lang="zh-TW" altLang="en-US"/>
           </a:p>
@@ -6166,48 +6167,48 @@
           <a:p>
             <a:r>
               <a:rPr kumimoji="1" lang="zh-TW" altLang="en-US" sz="3200" dirty="0" smtClean="0">
-                <a:latin typeface="微軟正黑體"/>
-                <a:ea typeface="微軟正黑體"/>
-                <a:cs typeface="微軟正黑體"/>
+                <a:latin typeface="Apple LiGothic Medium"/>
+                <a:ea typeface="Apple LiGothic Medium"/>
+                <a:cs typeface="Apple LiGothic Medium"/>
               </a:rPr>
               <a:t>陳璽安</a:t>
             </a:r>
             <a:r>
               <a:rPr kumimoji="1" lang="en-US" altLang="zh-TW" sz="3200" dirty="0" smtClean="0">
-                <a:latin typeface="微軟正黑體"/>
-                <a:ea typeface="微軟正黑體"/>
-                <a:cs typeface="微軟正黑體"/>
+                <a:latin typeface="Apple LiGothic Medium"/>
+                <a:ea typeface="Apple LiGothic Medium"/>
+                <a:cs typeface="Apple LiGothic Medium"/>
               </a:rPr>
               <a:t> </a:t>
             </a:r>
             <a:r>
               <a:rPr kumimoji="1" lang="zh-TW" altLang="en-US" sz="3200" dirty="0" smtClean="0">
-                <a:latin typeface="微軟正黑體"/>
-                <a:ea typeface="微軟正黑體"/>
-                <a:cs typeface="微軟正黑體"/>
+                <a:latin typeface="Apple LiGothic Medium"/>
+                <a:ea typeface="Apple LiGothic Medium"/>
+                <a:cs typeface="Apple LiGothic Medium"/>
               </a:rPr>
               <a:t>林天翼</a:t>
             </a:r>
             <a:r>
               <a:rPr kumimoji="1" lang="en-US" altLang="zh-TW" sz="3200" dirty="0" smtClean="0">
-                <a:latin typeface="微軟正黑體"/>
-                <a:ea typeface="微軟正黑體"/>
-                <a:cs typeface="微軟正黑體"/>
+                <a:latin typeface="Apple LiGothic Medium"/>
+                <a:ea typeface="Apple LiGothic Medium"/>
+                <a:cs typeface="Apple LiGothic Medium"/>
               </a:rPr>
               <a:t> </a:t>
             </a:r>
             <a:r>
               <a:rPr kumimoji="1" lang="zh-TW" altLang="en-US" sz="3200" dirty="0" smtClean="0">
-                <a:latin typeface="微軟正黑體"/>
-                <a:ea typeface="微軟正黑體"/>
-                <a:cs typeface="微軟正黑體"/>
+                <a:latin typeface="Apple LiGothic Medium"/>
+                <a:ea typeface="Apple LiGothic Medium"/>
+                <a:cs typeface="Apple LiGothic Medium"/>
               </a:rPr>
               <a:t>邱筱晴</a:t>
             </a:r>
             <a:endParaRPr kumimoji="1" lang="zh-TW" altLang="en-US" sz="3200" dirty="0">
-              <a:latin typeface="微軟正黑體"/>
-              <a:ea typeface="微軟正黑體"/>
-              <a:cs typeface="微軟正黑體"/>
+              <a:latin typeface="Apple LiGothic Medium"/>
+              <a:ea typeface="Apple LiGothic Medium"/>
+              <a:cs typeface="Apple LiGothic Medium"/>
             </a:endParaRPr>
           </a:p>
         </p:txBody>
@@ -6414,6 +6415,50 @@
               <a:ea typeface="微軟正黑體"/>
               <a:cs typeface="Bank Gothic"/>
             </a:endParaRPr>
+          </a:p>
+        </p:txBody>
+      </p:sp>
+      <p:sp>
+        <p:nvSpPr>
+          <p:cNvPr id="2" name="矩形 1"/>
+          <p:cNvSpPr/>
+          <p:nvPr/>
+        </p:nvSpPr>
+        <p:spPr>
+          <a:xfrm>
+            <a:off x="3101131" y="2239035"/>
+            <a:ext cx="540657" cy="525331"/>
+          </a:xfrm>
+          <a:prstGeom prst="rect">
+            <a:avLst/>
+          </a:prstGeom>
+          <a:noFill/>
+          <a:ln>
+            <a:solidFill>
+              <a:srgbClr val="FF0000"/>
+            </a:solidFill>
+          </a:ln>
+        </p:spPr>
+        <p:style>
+          <a:lnRef idx="1">
+            <a:schemeClr val="accent1"/>
+          </a:lnRef>
+          <a:fillRef idx="3">
+            <a:schemeClr val="accent1"/>
+          </a:fillRef>
+          <a:effectRef idx="2">
+            <a:schemeClr val="accent1"/>
+          </a:effectRef>
+          <a:fontRef idx="minor">
+            <a:schemeClr val="lt1"/>
+          </a:fontRef>
+        </p:style>
+        <p:txBody>
+          <a:bodyPr rtlCol="0" anchor="ctr"/>
+          <a:lstStyle/>
+          <a:p>
+            <a:pPr algn="ctr"/>
+            <a:endParaRPr kumimoji="1" lang="zh-TW" altLang="en-US"/>
           </a:p>
         </p:txBody>
       </p:sp>
@@ -8453,14 +8498,21 @@
                 <a:latin typeface="Bank Gothic"/>
                 <a:cs typeface="Bank Gothic"/>
               </a:rPr>
-              <a:t>c</a:t>
+              <a:t>C</a:t>
             </a:r>
             <a:r>
               <a:rPr kumimoji="1" lang="zh-TW" altLang="en-US" sz="3200" dirty="0" smtClean="0">
                 <a:latin typeface="Bank Gothic"/>
                 <a:cs typeface="Bank Gothic"/>
               </a:rPr>
-              <a:t>******</a:t>
+              <a:t>*</a:t>
+            </a:r>
+            <a:r>
+              <a:rPr kumimoji="1" lang="zh-TW" altLang="en-US" sz="3200" dirty="0" smtClean="0">
+                <a:latin typeface="Bank Gothic"/>
+                <a:cs typeface="Bank Gothic"/>
+              </a:rPr>
+              <a:t>*****</a:t>
             </a:r>
             <a:r>
               <a:rPr kumimoji="1" lang="zh-TW" altLang="zh-TW" sz="3200" dirty="0">
@@ -8483,7 +8535,21 @@
                 <a:latin typeface="Bank Gothic"/>
                 <a:cs typeface="Bank Gothic"/>
               </a:rPr>
-              <a:t>c????</a:t>
+              <a:t>C</a:t>
+            </a:r>
+            <a:r>
+              <a:rPr kumimoji="1" lang="en-US" altLang="zh-TW" sz="3200" dirty="0" smtClean="0">
+                <a:latin typeface="Bank Gothic"/>
+                <a:cs typeface="Bank Gothic"/>
+              </a:rPr>
+              <a:t>?</a:t>
+            </a:r>
+            <a:r>
+              <a:rPr kumimoji="1" lang="en-US" altLang="zh-TW" sz="3200" dirty="0" smtClean="0">
+                <a:latin typeface="Bank Gothic"/>
+                <a:cs typeface="Bank Gothic"/>
+              </a:rPr>
+              <a:t>???</a:t>
             </a:r>
             <a:endParaRPr kumimoji="1" lang="zh-TW" altLang="en-US" sz="3200" dirty="0">
               <a:latin typeface="Bank Gothic"/>
@@ -8930,16 +8996,16 @@
             </a:pPr>
             <a:r>
               <a:rPr kumimoji="1" lang="zh-TW" altLang="en-US" sz="3200" dirty="0" smtClean="0">
-                <a:latin typeface="微軟正黑體"/>
-                <a:ea typeface="微軟正黑體"/>
-                <a:cs typeface="微軟正黑體"/>
+                <a:latin typeface="Apple LiGothic Medium"/>
+                <a:ea typeface="Apple LiGothic Medium"/>
+                <a:cs typeface="Apple LiGothic Medium"/>
               </a:rPr>
               <a:t>經典坦克大戰</a:t>
             </a:r>
             <a:endParaRPr kumimoji="1" lang="zh-TW" altLang="en-US" sz="3200" dirty="0">
-              <a:latin typeface="微軟正黑體"/>
-              <a:ea typeface="微軟正黑體"/>
-              <a:cs typeface="微軟正黑體"/>
+              <a:latin typeface="Apple LiGothic Medium"/>
+              <a:ea typeface="Apple LiGothic Medium"/>
+              <a:cs typeface="Apple LiGothic Medium"/>
             </a:endParaRPr>
           </a:p>
         </p:txBody>
@@ -9529,7 +9595,7 @@
         <p:spPr>
           <a:xfrm>
             <a:off x="846667" y="1133048"/>
-            <a:ext cx="4318000" cy="584776"/>
+            <a:ext cx="5672666" cy="630942"/>
           </a:xfrm>
           <a:prstGeom prst="rect">
             <a:avLst/>
@@ -9547,14 +9613,14 @@
               <a:buChar char="•"/>
             </a:pPr>
             <a:r>
-              <a:rPr kumimoji="1" lang="en-US" altLang="zh-TW" sz="3200" dirty="0" smtClean="0">
+              <a:rPr kumimoji="1" lang="en-US" altLang="zh-TW" sz="3500" dirty="0" smtClean="0">
                 <a:latin typeface="Bank Gothic"/>
                 <a:ea typeface="微軟正黑體"/>
                 <a:cs typeface="Bank Gothic"/>
               </a:rPr>
               <a:t>Contain Images</a:t>
             </a:r>
-            <a:endParaRPr kumimoji="1" lang="zh-TW" altLang="en-US" sz="3200" dirty="0">
+            <a:endParaRPr kumimoji="1" lang="zh-TW" altLang="en-US" sz="3500" dirty="0">
               <a:latin typeface="Bank Gothic"/>
               <a:ea typeface="微軟正黑體"/>
               <a:cs typeface="Bank Gothic"/>
@@ -9570,7 +9636,7 @@
         </p:nvSpPr>
         <p:spPr>
           <a:xfrm>
-            <a:off x="1354666" y="1174472"/>
+            <a:off x="1354666" y="1413063"/>
             <a:ext cx="5164667" cy="4031873"/>
           </a:xfrm>
           <a:prstGeom prst="rect">
@@ -9785,7 +9851,7 @@
         </p:blipFill>
         <p:spPr>
           <a:xfrm>
-            <a:off x="4364567" y="1862667"/>
+            <a:off x="4534273" y="2040467"/>
             <a:ext cx="381000" cy="355600"/>
           </a:xfrm>
           <a:prstGeom prst="rect">
@@ -9815,7 +9881,7 @@
         </p:blipFill>
         <p:spPr>
           <a:xfrm>
-            <a:off x="4415366" y="2294469"/>
+            <a:off x="4552949" y="2519349"/>
             <a:ext cx="393700" cy="368300"/>
           </a:xfrm>
           <a:prstGeom prst="rect">
@@ -9845,7 +9911,7 @@
         </p:blipFill>
         <p:spPr>
           <a:xfrm>
-            <a:off x="4675717" y="3429000"/>
+            <a:off x="4671548" y="3783805"/>
             <a:ext cx="977900" cy="787400"/>
           </a:xfrm>
           <a:prstGeom prst="rect">
@@ -9875,8 +9941,38 @@
         </p:blipFill>
         <p:spPr>
           <a:xfrm>
-            <a:off x="4743449" y="2764367"/>
+            <a:off x="4743449" y="3018367"/>
             <a:ext cx="825500" cy="508000"/>
+          </a:xfrm>
+          <a:prstGeom prst="rect">
+            <a:avLst/>
+          </a:prstGeom>
+        </p:spPr>
+      </p:pic>
+      <p:pic>
+        <p:nvPicPr>
+          <p:cNvPr id="2" name="圖片 1" descr="AChin1311_1.gif"/>
+          <p:cNvPicPr>
+            <a:picLocks noChangeAspect="1"/>
+          </p:cNvPicPr>
+          <p:nvPr/>
+        </p:nvPicPr>
+        <p:blipFill>
+          <a:blip r:embed="rId6">
+            <a:extLst>
+              <a:ext uri="{28A0092B-C50C-407E-A947-70E740481C1C}">
+                <a14:useLocalDpi xmlns:a14="http://schemas.microsoft.com/office/drawing/2010/main" val="0"/>
+              </a:ext>
+            </a:extLst>
+          </a:blip>
+          <a:stretch>
+            <a:fillRect/>
+          </a:stretch>
+        </p:blipFill>
+        <p:spPr>
+          <a:xfrm>
+            <a:off x="3978226" y="4916806"/>
+            <a:ext cx="673312" cy="757476"/>
           </a:xfrm>
           <a:prstGeom prst="rect">
             <a:avLst/>
@@ -10289,7 +10385,7 @@
         </p:nvSpPr>
         <p:spPr>
           <a:xfrm>
-            <a:off x="872066" y="1828800"/>
+            <a:off x="872066" y="1358403"/>
             <a:ext cx="7865534" cy="4031873"/>
           </a:xfrm>
           <a:prstGeom prst="rect">
@@ -10727,13 +10823,13 @@
               <a:t> </a:t>
             </a:r>
             <a:r>
-              <a:rPr kumimoji="1" lang="en-US" altLang="zh-TW" sz="3200" smtClean="0">
+              <a:rPr kumimoji="1" lang="en-US" altLang="zh-TW" sz="3200" dirty="0" smtClean="0">
                 <a:latin typeface="Bank Gothic"/>
                 <a:cs typeface="Bank Gothic"/>
               </a:rPr>
               <a:t>lines</a:t>
             </a:r>
-            <a:endParaRPr kumimoji="1" lang="en-US" altLang="zh-TW" sz="3200">
+            <a:endParaRPr kumimoji="1" lang="en-US" altLang="zh-TW" sz="3200" dirty="0">
               <a:latin typeface="Bank Gothic"/>
               <a:cs typeface="Bank Gothic"/>
             </a:endParaRPr>
@@ -10866,13 +10962,13 @@
       </p:grpSpPr>
       <p:sp>
         <p:nvSpPr>
-          <p:cNvPr id="2" name="文字方塊 1"/>
+          <p:cNvPr id="3" name="文字方塊 2"/>
           <p:cNvSpPr txBox="1"/>
           <p:nvPr/>
         </p:nvSpPr>
         <p:spPr>
           <a:xfrm>
-            <a:off x="2048933" y="3251200"/>
+            <a:off x="2310391" y="3686935"/>
             <a:ext cx="5943600" cy="1107996"/>
           </a:xfrm>
           <a:prstGeom prst="rect">
@@ -10904,6 +11000,192 @@
     <p:extLst>
       <p:ext uri="{BB962C8B-B14F-4D97-AF65-F5344CB8AC3E}">
         <p14:creationId xmlns:p14="http://schemas.microsoft.com/office/powerpoint/2010/main" val="4034529898"/>
+      </p:ext>
+    </p:extLst>
+  </p:cSld>
+  <p:clrMapOvr>
+    <a:masterClrMapping/>
+  </p:clrMapOvr>
+  <p:timing>
+    <p:tnLst>
+      <p:par>
+        <p:cTn xmlns:p14="http://schemas.microsoft.com/office/powerpoint/2010/main" id="1" dur="indefinite" restart="never" nodeType="tmRoot"/>
+      </p:par>
+    </p:tnLst>
+  </p:timing>
+</p:sld>
+</file>
+
+<file path=ppt/slides/slide27.xml><?xml version="1.0" encoding="utf-8"?>
+<p:sld xmlns:a="http://schemas.openxmlformats.org/drawingml/2006/main" xmlns:r="http://schemas.openxmlformats.org/officeDocument/2006/relationships" xmlns:p="http://schemas.openxmlformats.org/presentationml/2006/main">
+  <p:cSld>
+    <p:spTree>
+      <p:nvGrpSpPr>
+        <p:cNvPr id="1" name=""/>
+        <p:cNvGrpSpPr/>
+        <p:nvPr/>
+      </p:nvGrpSpPr>
+      <p:grpSpPr>
+        <a:xfrm>
+          <a:off x="0" y="0"/>
+          <a:ext cx="0" cy="0"/>
+          <a:chOff x="0" y="0"/>
+          <a:chExt cx="0" cy="0"/>
+        </a:xfrm>
+      </p:grpSpPr>
+      <p:sp>
+        <p:nvSpPr>
+          <p:cNvPr id="2" name="文字方塊 1"/>
+          <p:cNvSpPr txBox="1"/>
+          <p:nvPr/>
+        </p:nvSpPr>
+        <p:spPr>
+          <a:xfrm>
+            <a:off x="504239" y="2874061"/>
+            <a:ext cx="8067824" cy="707886"/>
+          </a:xfrm>
+          <a:prstGeom prst="rect">
+            <a:avLst/>
+          </a:prstGeom>
+          <a:noFill/>
+        </p:spPr>
+        <p:txBody>
+          <a:bodyPr wrap="square" rtlCol="0">
+            <a:spAutoFit/>
+          </a:bodyPr>
+          <a:lstStyle/>
+          <a:p>
+            <a:r>
+              <a:rPr kumimoji="1" lang="en-US" altLang="zh-TW" sz="4000" dirty="0" smtClean="0">
+                <a:latin typeface="Bank Gothic"/>
+                <a:cs typeface="Bank Gothic"/>
+              </a:rPr>
+              <a:t>T</a:t>
+            </a:r>
+            <a:r>
+              <a:rPr kumimoji="1" lang="en-US" altLang="zh-TW" sz="4000" dirty="0" smtClean="0">
+                <a:latin typeface="Bank Gothic"/>
+                <a:cs typeface="Bank Gothic"/>
+              </a:rPr>
+              <a:t>hanks</a:t>
+            </a:r>
+            <a:r>
+              <a:rPr kumimoji="1" lang="zh-TW" altLang="en-US" sz="4000" dirty="0" smtClean="0">
+                <a:latin typeface="Bank Gothic"/>
+                <a:cs typeface="Bank Gothic"/>
+              </a:rPr>
+              <a:t> </a:t>
+            </a:r>
+            <a:r>
+              <a:rPr kumimoji="1" lang="en-US" altLang="zh-TW" sz="4000" dirty="0" smtClean="0">
+                <a:latin typeface="Bank Gothic"/>
+                <a:cs typeface="Bank Gothic"/>
+              </a:rPr>
+              <a:t>for</a:t>
+            </a:r>
+            <a:r>
+              <a:rPr kumimoji="1" lang="zh-TW" altLang="en-US" sz="4000" dirty="0" smtClean="0">
+                <a:latin typeface="Bank Gothic"/>
+                <a:cs typeface="Bank Gothic"/>
+              </a:rPr>
+              <a:t> </a:t>
+            </a:r>
+            <a:r>
+              <a:rPr kumimoji="1" lang="en-US" altLang="zh-TW" sz="4000" dirty="0" smtClean="0">
+                <a:latin typeface="Bank Gothic"/>
+                <a:cs typeface="Bank Gothic"/>
+              </a:rPr>
+              <a:t>Your</a:t>
+            </a:r>
+            <a:r>
+              <a:rPr kumimoji="1" lang="zh-TW" altLang="en-US" sz="4000" dirty="0" smtClean="0">
+                <a:latin typeface="Bank Gothic"/>
+                <a:cs typeface="Bank Gothic"/>
+              </a:rPr>
+              <a:t> </a:t>
+            </a:r>
+            <a:r>
+              <a:rPr kumimoji="1" lang="en-US" altLang="zh-TW" sz="4000" dirty="0" smtClean="0">
+                <a:latin typeface="Bank Gothic"/>
+                <a:cs typeface="Bank Gothic"/>
+              </a:rPr>
+              <a:t>Attention</a:t>
+            </a:r>
+            <a:endParaRPr kumimoji="1" lang="zh-TW" altLang="en-US" sz="4000" dirty="0">
+              <a:latin typeface="Bank Gothic"/>
+              <a:cs typeface="Bank Gothic"/>
+            </a:endParaRPr>
+          </a:p>
+        </p:txBody>
+      </p:sp>
+      <p:pic>
+        <p:nvPicPr>
+          <p:cNvPr id="3" name="圖片 2"/>
+          <p:cNvPicPr>
+            <a:picLocks noChangeAspect="1"/>
+          </p:cNvPicPr>
+          <p:nvPr/>
+        </p:nvPicPr>
+        <p:blipFill>
+          <a:blip r:embed="rId2">
+            <a:extLst>
+              <a:ext uri="{BEBA8EAE-BF5A-486C-A8C5-ECC9F3942E4B}">
+                <a14:imgProps xmlns:a14="http://schemas.microsoft.com/office/drawing/2010/main">
+                  <a14:imgLayer r:embed="rId3">
+                    <a14:imgEffect>
+                      <a14:backgroundRemoval t="1667" b="90000" l="2500" r="95000">
+                        <a14:foregroundMark x1="53333" y1="52500" x2="53333" y2="52500"/>
+                        <a14:foregroundMark x1="54167" y1="22500" x2="54167" y2="22500"/>
+                        <a14:foregroundMark x1="63333" y1="20000" x2="63333" y2="20000"/>
+                        <a14:foregroundMark x1="55000" y1="15000" x2="55000" y2="15000"/>
+                        <a14:foregroundMark x1="47500" y1="26667" x2="47500" y2="26667"/>
+                        <a14:foregroundMark x1="35833" y1="17500" x2="35833" y2="17500"/>
+                        <a14:foregroundMark x1="32500" y1="6667" x2="32500" y2="6667"/>
+                        <a14:foregroundMark x1="77500" y1="32500" x2="77500" y2="32500"/>
+                        <a14:foregroundMark x1="87500" y1="44167" x2="87500" y2="44167"/>
+                        <a14:foregroundMark x1="82500" y1="48333" x2="82500" y2="48333"/>
+                        <a14:foregroundMark x1="93333" y1="58333" x2="93333" y2="58333"/>
+                        <a14:foregroundMark x1="95833" y1="51667" x2="95833" y2="51667"/>
+                        <a14:foregroundMark x1="71667" y1="46667" x2="71667" y2="46667"/>
+                        <a14:foregroundMark x1="65833" y1="73333" x2="65833" y2="73333"/>
+                        <a14:foregroundMark x1="38333" y1="80000" x2="38333" y2="80000"/>
+                        <a14:foregroundMark x1="27500" y1="74167" x2="27500" y2="74167"/>
+                        <a14:foregroundMark x1="21667" y1="70833" x2="21667" y2="70833"/>
+                        <a14:foregroundMark x1="26667" y1="69167" x2="26667" y2="69167"/>
+                        <a14:foregroundMark x1="15833" y1="73333" x2="15833" y2="73333"/>
+                        <a14:foregroundMark x1="10000" y1="85833" x2="10000" y2="85833"/>
+                        <a14:foregroundMark x1="3333" y1="84167" x2="3333" y2="84167"/>
+                        <a14:foregroundMark x1="17500" y1="47500" x2="17500" y2="47500"/>
+                        <a14:foregroundMark x1="25000" y1="35000" x2="25000" y2="35000"/>
+                        <a14:foregroundMark x1="67500" y1="1667" x2="67500" y2="1667"/>
+                        <a14:backgroundMark x1="5833" y1="68333" x2="5833" y2="68333"/>
+                        <a14:backgroundMark x1="29167" y1="54167" x2="29167" y2="54167"/>
+                        <a14:backgroundMark x1="50000" y1="4167" x2="50000" y2="4167"/>
+                      </a14:backgroundRemoval>
+                    </a14:imgEffect>
+                  </a14:imgLayer>
+                </a14:imgProps>
+              </a:ext>
+            </a:extLst>
+          </a:blip>
+          <a:stretch>
+            <a:fillRect/>
+          </a:stretch>
+        </p:blipFill>
+        <p:spPr>
+          <a:xfrm>
+            <a:off x="5929751" y="4170855"/>
+            <a:ext cx="1505907" cy="1505907"/>
+          </a:xfrm>
+          <a:prstGeom prst="rect">
+            <a:avLst/>
+          </a:prstGeom>
+        </p:spPr>
+      </p:pic>
+    </p:spTree>
+    <p:extLst>
+      <p:ext uri="{BB962C8B-B14F-4D97-AF65-F5344CB8AC3E}">
+        <p14:creationId xmlns:p14="http://schemas.microsoft.com/office/powerpoint/2010/main" val="4065799703"/>
       </p:ext>
     </p:extLst>
   </p:cSld>
@@ -11478,9 +11760,9 @@
             <a:pPr algn="ctr"/>
             <a:r>
               <a:rPr kumimoji="1" lang="zh-TW" altLang="en-US" sz="3200" dirty="0" smtClean="0">
-                <a:latin typeface="微軟正黑體"/>
-                <a:ea typeface="微軟正黑體"/>
-                <a:cs typeface="微軟正黑體"/>
+                <a:latin typeface="Apple LiGothic Medium"/>
+                <a:ea typeface="Apple LiGothic Medium"/>
+                <a:cs typeface="Apple LiGothic Medium"/>
               </a:rPr>
               <a:t>我方坦克</a:t>
             </a:r>
@@ -11906,9 +12188,9 @@
             <a:pPr algn="ctr"/>
             <a:r>
               <a:rPr kumimoji="1" lang="zh-TW" altLang="en-US" sz="3200" dirty="0" smtClean="0">
-                <a:latin typeface="微軟正黑體"/>
-                <a:ea typeface="微軟正黑體"/>
-                <a:cs typeface="微軟正黑體"/>
+                <a:latin typeface="Apple LiGothic Medium"/>
+                <a:ea typeface="Apple LiGothic Medium"/>
+                <a:cs typeface="Apple LiGothic Medium"/>
               </a:rPr>
               <a:t>敵方坦克</a:t>
             </a:r>
@@ -12725,6 +13007,50 @@
               <a:ea typeface="微軟正黑體"/>
               <a:cs typeface="Bank Gothic"/>
             </a:endParaRPr>
+          </a:p>
+        </p:txBody>
+      </p:sp>
+      <p:sp>
+        <p:nvSpPr>
+          <p:cNvPr id="7" name="矩形 6"/>
+          <p:cNvSpPr/>
+          <p:nvPr/>
+        </p:nvSpPr>
+        <p:spPr>
+          <a:xfrm>
+            <a:off x="2198335" y="2501700"/>
+            <a:ext cx="974203" cy="971609"/>
+          </a:xfrm>
+          <a:prstGeom prst="rect">
+            <a:avLst/>
+          </a:prstGeom>
+          <a:noFill/>
+          <a:ln>
+            <a:solidFill>
+              <a:srgbClr val="FF0000"/>
+            </a:solidFill>
+          </a:ln>
+        </p:spPr>
+        <p:style>
+          <a:lnRef idx="1">
+            <a:schemeClr val="accent1"/>
+          </a:lnRef>
+          <a:fillRef idx="3">
+            <a:schemeClr val="accent1"/>
+          </a:fillRef>
+          <a:effectRef idx="2">
+            <a:schemeClr val="accent1"/>
+          </a:effectRef>
+          <a:fontRef idx="minor">
+            <a:schemeClr val="lt1"/>
+          </a:fontRef>
+        </p:style>
+        <p:txBody>
+          <a:bodyPr rtlCol="0" anchor="ctr"/>
+          <a:lstStyle/>
+          <a:p>
+            <a:pPr algn="ctr"/>
+            <a:endParaRPr kumimoji="1" lang="zh-TW" altLang="en-US"/>
           </a:p>
         </p:txBody>
       </p:sp>
